--- a/cnpm pdf.pptx
+++ b/cnpm pdf.pptx
@@ -8,9 +8,9 @@
     <p:notesMasterId r:id="rId10"/>
   </p:notesMasterIdLst>
   <p:sldIdLst>
-    <p:sldId id="256" r:id="rId3"/>
+    <p:sldId id="304" r:id="rId3"/>
     <p:sldId id="274" r:id="rId4"/>
-    <p:sldId id="257" r:id="rId5"/>
+    <p:sldId id="303" r:id="rId5"/>
     <p:sldId id="275" r:id="rId6"/>
     <p:sldId id="276" r:id="rId7"/>
     <p:sldId id="277" r:id="rId8"/>
@@ -38,7 +38,8 @@
     <p:sldId id="286" r:id="rId31"/>
     <p:sldId id="287" r:id="rId32"/>
     <p:sldId id="288" r:id="rId33"/>
-    <p:sldId id="273" r:id="rId34"/>
+    <p:sldId id="305" r:id="rId34"/>
+    <p:sldId id="273" r:id="rId35"/>
   </p:sldIdLst>
   <p:sldSz cx="9144000" cy="6858000" type="screen4x3"/>
   <p:notesSz cx="9144000" cy="6858000"/>
@@ -2944,7 +2945,7 @@
         <p:spPr>
           <a:xfrm>
             <a:off x="909929" y="18110"/>
-            <a:ext cx="7344409" cy="727710"/>
+            <a:ext cx="7344409" cy="567055"/>
           </a:xfrm>
           <a:prstGeom prst="rect">
             <a:avLst/>
@@ -2965,83 +2966,83 @@
               </a:spcBef>
             </a:pPr>
             <a:r>
-              <a:rPr sz="2300" b="1">
+              <a:rPr sz="1800" b="1">
                 <a:latin typeface="Times New Roman" panose="02020603050405020304"/>
                 <a:cs typeface="Times New Roman" panose="02020603050405020304"/>
               </a:rPr>
               <a:t>BỘ</a:t>
             </a:r>
             <a:r>
-              <a:rPr sz="2300" b="1" spc="-25">
+              <a:rPr sz="1800" b="1" spc="-25">
                 <a:latin typeface="Times New Roman" panose="02020603050405020304"/>
                 <a:cs typeface="Times New Roman" panose="02020603050405020304"/>
               </a:rPr>
               <a:t> </a:t>
             </a:r>
             <a:r>
-              <a:rPr sz="2300" b="1">
+              <a:rPr sz="1800" b="1">
                 <a:latin typeface="Times New Roman" panose="02020603050405020304"/>
                 <a:cs typeface="Times New Roman" panose="02020603050405020304"/>
               </a:rPr>
               <a:t>GIÁO</a:t>
             </a:r>
             <a:r>
-              <a:rPr sz="2300" b="1" spc="-30">
+              <a:rPr sz="1800" b="1" spc="-30">
                 <a:latin typeface="Times New Roman" panose="02020603050405020304"/>
                 <a:cs typeface="Times New Roman" panose="02020603050405020304"/>
               </a:rPr>
               <a:t> </a:t>
             </a:r>
             <a:r>
-              <a:rPr sz="2300" b="1">
+              <a:rPr sz="1800" b="1">
                 <a:latin typeface="Times New Roman" panose="02020603050405020304"/>
                 <a:cs typeface="Times New Roman" panose="02020603050405020304"/>
               </a:rPr>
               <a:t>DỤC</a:t>
             </a:r>
             <a:r>
-              <a:rPr sz="2300" b="1" spc="-75">
+              <a:rPr sz="1800" b="1" spc="-75">
                 <a:latin typeface="Times New Roman" panose="02020603050405020304"/>
                 <a:cs typeface="Times New Roman" panose="02020603050405020304"/>
               </a:rPr>
               <a:t> </a:t>
             </a:r>
             <a:r>
-              <a:rPr sz="2300" b="1">
+              <a:rPr sz="1800" b="1">
                 <a:latin typeface="Times New Roman" panose="02020603050405020304"/>
                 <a:cs typeface="Times New Roman" panose="02020603050405020304"/>
               </a:rPr>
               <a:t>VÀ</a:t>
             </a:r>
             <a:r>
-              <a:rPr sz="2300" b="1" spc="-10">
+              <a:rPr sz="1800" b="1" spc="-10">
                 <a:latin typeface="Times New Roman" panose="02020603050405020304"/>
                 <a:cs typeface="Times New Roman" panose="02020603050405020304"/>
               </a:rPr>
               <a:t> </a:t>
             </a:r>
             <a:r>
-              <a:rPr sz="2300" b="1">
+              <a:rPr sz="1800" b="1">
                 <a:latin typeface="Times New Roman" panose="02020603050405020304"/>
                 <a:cs typeface="Times New Roman" panose="02020603050405020304"/>
               </a:rPr>
               <a:t>ĐÀO</a:t>
             </a:r>
             <a:r>
-              <a:rPr sz="2300" b="1" spc="-60">
+              <a:rPr sz="1800" b="1" spc="-60">
                 <a:latin typeface="Times New Roman" panose="02020603050405020304"/>
                 <a:cs typeface="Times New Roman" panose="02020603050405020304"/>
               </a:rPr>
               <a:t> </a:t>
             </a:r>
             <a:r>
-              <a:rPr sz="2300" b="1" spc="-25">
+              <a:rPr sz="1800" b="1" spc="-25">
                 <a:latin typeface="Times New Roman" panose="02020603050405020304"/>
                 <a:cs typeface="Times New Roman" panose="02020603050405020304"/>
               </a:rPr>
               <a:t>TẠO</a:t>
             </a:r>
-            <a:endParaRPr sz="2300">
+            <a:endParaRPr sz="1800">
               <a:latin typeface="Times New Roman" panose="02020603050405020304"/>
               <a:cs typeface="Times New Roman" panose="02020603050405020304"/>
             </a:endParaRPr>
@@ -3053,125 +3054,125 @@
               </a:lnSpc>
             </a:pPr>
             <a:r>
-              <a:rPr sz="2300" b="1">
+              <a:rPr sz="1800" b="1">
                 <a:latin typeface="Times New Roman" panose="02020603050405020304"/>
                 <a:cs typeface="Times New Roman" panose="02020603050405020304"/>
               </a:rPr>
               <a:t>TRƯỜNG</a:t>
             </a:r>
             <a:r>
-              <a:rPr sz="2300" b="1" spc="-90">
+              <a:rPr sz="1800" b="1" spc="-90">
                 <a:latin typeface="Times New Roman" panose="02020603050405020304"/>
                 <a:cs typeface="Times New Roman" panose="02020603050405020304"/>
               </a:rPr>
               <a:t> </a:t>
             </a:r>
             <a:r>
-              <a:rPr sz="2300" b="1">
+              <a:rPr sz="1800" b="1">
                 <a:latin typeface="Times New Roman" panose="02020603050405020304"/>
                 <a:cs typeface="Times New Roman" panose="02020603050405020304"/>
               </a:rPr>
               <a:t>ĐẠI</a:t>
             </a:r>
             <a:r>
-              <a:rPr sz="2300" b="1" spc="-25">
+              <a:rPr sz="1800" b="1" spc="-25">
                 <a:latin typeface="Times New Roman" panose="02020603050405020304"/>
                 <a:cs typeface="Times New Roman" panose="02020603050405020304"/>
               </a:rPr>
               <a:t> </a:t>
             </a:r>
             <a:r>
-              <a:rPr sz="2300" b="1">
+              <a:rPr sz="1800" b="1">
                 <a:latin typeface="Times New Roman" panose="02020603050405020304"/>
                 <a:cs typeface="Times New Roman" panose="02020603050405020304"/>
               </a:rPr>
               <a:t>HỌC</a:t>
             </a:r>
             <a:r>
-              <a:rPr sz="2300" b="1" spc="-30">
+              <a:rPr sz="1800" b="1" spc="-30">
                 <a:latin typeface="Times New Roman" panose="02020603050405020304"/>
                 <a:cs typeface="Times New Roman" panose="02020603050405020304"/>
               </a:rPr>
               <a:t> </a:t>
             </a:r>
             <a:r>
-              <a:rPr sz="2300" b="1">
+              <a:rPr sz="1800" b="1">
                 <a:latin typeface="Times New Roman" panose="02020603050405020304"/>
                 <a:cs typeface="Times New Roman" panose="02020603050405020304"/>
               </a:rPr>
               <a:t>SƯ</a:t>
             </a:r>
             <a:r>
-              <a:rPr sz="2300" b="1" spc="-55">
+              <a:rPr sz="1800" b="1" spc="-55">
                 <a:latin typeface="Times New Roman" panose="02020603050405020304"/>
                 <a:cs typeface="Times New Roman" panose="02020603050405020304"/>
               </a:rPr>
               <a:t> </a:t>
             </a:r>
             <a:r>
-              <a:rPr sz="2300" b="1">
+              <a:rPr sz="1800" b="1">
                 <a:latin typeface="Times New Roman" panose="02020603050405020304"/>
                 <a:cs typeface="Times New Roman" panose="02020603050405020304"/>
               </a:rPr>
               <a:t>PHẠM</a:t>
             </a:r>
             <a:r>
-              <a:rPr sz="2300" b="1" spc="-40">
+              <a:rPr sz="1800" b="1" spc="-40">
                 <a:latin typeface="Times New Roman" panose="02020603050405020304"/>
                 <a:cs typeface="Times New Roman" panose="02020603050405020304"/>
               </a:rPr>
               <a:t> </a:t>
             </a:r>
             <a:r>
-              <a:rPr sz="2300" b="1">
+              <a:rPr sz="1800" b="1">
                 <a:latin typeface="Times New Roman" panose="02020603050405020304"/>
                 <a:cs typeface="Times New Roman" panose="02020603050405020304"/>
               </a:rPr>
               <a:t>KỸ</a:t>
             </a:r>
             <a:r>
-              <a:rPr sz="2300" b="1" spc="-80">
+              <a:rPr sz="1800" b="1" spc="-80">
                 <a:latin typeface="Times New Roman" panose="02020603050405020304"/>
                 <a:cs typeface="Times New Roman" panose="02020603050405020304"/>
               </a:rPr>
               <a:t> </a:t>
             </a:r>
             <a:r>
-              <a:rPr sz="2300" b="1">
+              <a:rPr sz="1800" b="1">
                 <a:latin typeface="Times New Roman" panose="02020603050405020304"/>
                 <a:cs typeface="Times New Roman" panose="02020603050405020304"/>
               </a:rPr>
               <a:t>THUẬT</a:t>
             </a:r>
             <a:r>
-              <a:rPr sz="2300" b="1" spc="-75">
+              <a:rPr sz="1800" b="1" spc="-75">
                 <a:latin typeface="Times New Roman" panose="02020603050405020304"/>
                 <a:cs typeface="Times New Roman" panose="02020603050405020304"/>
               </a:rPr>
               <a:t> </a:t>
             </a:r>
             <a:r>
-              <a:rPr sz="2300" b="1">
+              <a:rPr sz="1800" b="1">
                 <a:latin typeface="Times New Roman" panose="02020603050405020304"/>
                 <a:cs typeface="Times New Roman" panose="02020603050405020304"/>
               </a:rPr>
               <a:t>HƯNG</a:t>
             </a:r>
             <a:r>
-              <a:rPr sz="2300" b="1" spc="-145">
+              <a:rPr sz="1800" b="1" spc="-145">
                 <a:latin typeface="Times New Roman" panose="02020603050405020304"/>
                 <a:cs typeface="Times New Roman" panose="02020603050405020304"/>
               </a:rPr>
               <a:t> </a:t>
             </a:r>
             <a:r>
-              <a:rPr sz="2300" b="1" spc="-25">
+              <a:rPr sz="1800" b="1" spc="-25">
                 <a:latin typeface="Times New Roman" panose="02020603050405020304"/>
                 <a:cs typeface="Times New Roman" panose="02020603050405020304"/>
               </a:rPr>
               <a:t>YÊN</a:t>
             </a:r>
-            <a:endParaRPr sz="2300">
+            <a:endParaRPr sz="1800">
               <a:latin typeface="Times New Roman" panose="02020603050405020304"/>
               <a:cs typeface="Times New Roman" panose="02020603050405020304"/>
             </a:endParaRPr>
@@ -3187,7 +3188,7 @@
         <p:spPr>
           <a:xfrm>
             <a:off x="3671442" y="6471920"/>
-            <a:ext cx="2414270" cy="377190"/>
+            <a:ext cx="2414270" cy="367030"/>
           </a:xfrm>
           <a:prstGeom prst="rect">
             <a:avLst/>
@@ -3247,9 +3248,16 @@
                 <a:latin typeface="Times New Roman" panose="02020603050405020304"/>
                 <a:cs typeface="Times New Roman" panose="02020603050405020304"/>
               </a:rPr>
-              <a:t>2024</a:t>
-            </a:r>
-            <a:endParaRPr sz="2300">
+              <a:t>202</a:t>
+            </a:r>
+            <a:r>
+              <a:rPr lang="en-US" altLang="en-US" sz="2300" b="1" spc="-20">
+                <a:latin typeface="Times New Roman" panose="02020603050405020304"/>
+                <a:cs typeface="Times New Roman" panose="02020603050405020304"/>
+              </a:rPr>
+              <a:t>5</a:t>
+            </a:r>
+            <a:endParaRPr lang="en-US" altLang="en-US" sz="2300" b="1" spc="-20">
               <a:latin typeface="Times New Roman" panose="02020603050405020304"/>
               <a:cs typeface="Times New Roman" panose="02020603050405020304"/>
             </a:endParaRPr>
@@ -3291,7 +3299,7 @@
         <p:spPr>
           <a:xfrm>
             <a:off x="2302192" y="2486968"/>
-            <a:ext cx="4539615" cy="931665"/>
+            <a:ext cx="4539615" cy="718185"/>
           </a:xfrm>
           <a:prstGeom prst="rect">
             <a:avLst/>
@@ -3312,7 +3320,7 @@
               </a:spcBef>
             </a:pPr>
             <a:r>
-              <a:rPr sz="3000">
+              <a:rPr sz="1800">
                 <a:solidFill>
                   <a:srgbClr val="000000"/>
                 </a:solidFill>
@@ -3322,7 +3330,7 @@
               <a:t>BÁO</a:t>
             </a:r>
             <a:r>
-              <a:rPr sz="3000" spc="-80">
+              <a:rPr sz="1800" spc="-80">
                 <a:solidFill>
                   <a:srgbClr val="000000"/>
                 </a:solidFill>
@@ -3332,7 +3340,7 @@
               <a:t> </a:t>
             </a:r>
             <a:r>
-              <a:rPr sz="3000">
+              <a:rPr sz="1800">
                 <a:solidFill>
                   <a:srgbClr val="000000"/>
                 </a:solidFill>
@@ -3342,7 +3350,7 @@
               <a:t>CÁO</a:t>
             </a:r>
             <a:r>
-              <a:rPr sz="3000" spc="-75">
+              <a:rPr sz="1800" spc="-75">
                 <a:solidFill>
                   <a:srgbClr val="000000"/>
                 </a:solidFill>
@@ -3352,7 +3360,7 @@
               <a:t> </a:t>
             </a:r>
             <a:r>
-              <a:rPr sz="3000">
+              <a:rPr sz="1800">
                 <a:solidFill>
                   <a:srgbClr val="000000"/>
                 </a:solidFill>
@@ -3362,7 +3370,7 @@
               <a:t>MÔN</a:t>
             </a:r>
             <a:r>
-              <a:rPr sz="3000" spc="-45">
+              <a:rPr sz="1800" spc="-45">
                 <a:solidFill>
                   <a:srgbClr val="000000"/>
                 </a:solidFill>
@@ -3372,7 +3380,7 @@
               <a:t> </a:t>
             </a:r>
             <a:r>
-              <a:rPr sz="3000" spc="-25">
+              <a:rPr sz="1800" spc="-25">
                 <a:solidFill>
                   <a:srgbClr val="000000"/>
                 </a:solidFill>
@@ -3381,7 +3389,7 @@
               </a:rPr>
               <a:t>HỌC</a:t>
             </a:r>
-            <a:endParaRPr sz="3000">
+            <a:endParaRPr sz="1800">
               <a:latin typeface="Times New Roman" panose="02020603050405020304"/>
               <a:cs typeface="Times New Roman" panose="02020603050405020304"/>
             </a:endParaRPr>
@@ -3396,7 +3404,7 @@
               </a:spcBef>
             </a:pPr>
             <a:r>
-              <a:rPr lang="en-US" sz="2600" err="1">
+              <a:rPr lang="en-US" sz="2400" err="1">
                 <a:solidFill>
                   <a:srgbClr val="FF0000"/>
                 </a:solidFill>
@@ -3406,7 +3414,7 @@
               <a:t>Nhập</a:t>
             </a:r>
             <a:r>
-              <a:rPr lang="en-US" sz="2600">
+              <a:rPr lang="en-US" sz="2400">
                 <a:solidFill>
                   <a:srgbClr val="FF0000"/>
                 </a:solidFill>
@@ -3416,7 +3424,7 @@
               <a:t> Môn Khoa </a:t>
             </a:r>
             <a:r>
-              <a:rPr lang="en-US" sz="2600" err="1">
+              <a:rPr lang="en-US" sz="2400" err="1">
                 <a:solidFill>
                   <a:srgbClr val="FF0000"/>
                 </a:solidFill>
@@ -3426,7 +3434,7 @@
               <a:t>Học</a:t>
             </a:r>
             <a:r>
-              <a:rPr lang="en-US" sz="2600">
+              <a:rPr lang="en-US" sz="2400">
                 <a:solidFill>
                   <a:srgbClr val="FF0000"/>
                 </a:solidFill>
@@ -3436,7 +3444,7 @@
               <a:t> </a:t>
             </a:r>
             <a:r>
-              <a:rPr lang="en-US" sz="2600" err="1">
+              <a:rPr lang="en-US" sz="2400" err="1">
                 <a:solidFill>
                   <a:srgbClr val="FF0000"/>
                 </a:solidFill>
@@ -3446,7 +3454,7 @@
               <a:t>Dữ</a:t>
             </a:r>
             <a:r>
-              <a:rPr lang="en-US" sz="2600">
+              <a:rPr lang="en-US" sz="2400">
                 <a:solidFill>
                   <a:srgbClr val="FF0000"/>
                 </a:solidFill>
@@ -3456,7 +3464,7 @@
               <a:t> </a:t>
             </a:r>
             <a:r>
-              <a:rPr lang="en-US" sz="2600" err="1">
+              <a:rPr lang="en-US" sz="2400" err="1">
                 <a:solidFill>
                   <a:srgbClr val="FF0000"/>
                 </a:solidFill>
@@ -3465,7 +3473,7 @@
               </a:rPr>
               <a:t>Liệu</a:t>
             </a:r>
-            <a:endParaRPr sz="2600">
+            <a:endParaRPr sz="2400">
               <a:latin typeface="Times New Roman" panose="02020603050405020304"/>
               <a:cs typeface="Times New Roman" panose="02020603050405020304"/>
             </a:endParaRPr>
@@ -3481,7 +3489,7 @@
         <p:spPr>
           <a:xfrm>
             <a:off x="845921" y="3771087"/>
-            <a:ext cx="7798434" cy="2126864"/>
+            <a:ext cx="7798434" cy="1983105"/>
           </a:xfrm>
           <a:prstGeom prst="rect">
             <a:avLst/>
@@ -3555,97 +3563,97 @@
               </a:lnSpc>
             </a:pPr>
             <a:r>
-              <a:rPr sz="2300" b="1">
+              <a:rPr sz="1800" b="1">
                 <a:latin typeface="Times New Roman" panose="02020603050405020304"/>
                 <a:cs typeface="Times New Roman" panose="02020603050405020304"/>
               </a:rPr>
               <a:t>Giảng</a:t>
             </a:r>
             <a:r>
-              <a:rPr sz="2300" b="1" spc="-125">
+              <a:rPr sz="1800" b="1" spc="-125">
                 <a:latin typeface="Times New Roman" panose="02020603050405020304"/>
                 <a:cs typeface="Times New Roman" panose="02020603050405020304"/>
               </a:rPr>
               <a:t> </a:t>
             </a:r>
             <a:r>
-              <a:rPr sz="2300" b="1">
+              <a:rPr sz="1800" b="1">
                 <a:latin typeface="Times New Roman" panose="02020603050405020304"/>
                 <a:cs typeface="Times New Roman" panose="02020603050405020304"/>
               </a:rPr>
               <a:t>Viên:</a:t>
             </a:r>
             <a:r>
-              <a:rPr sz="2300" b="1" spc="-65">
+              <a:rPr sz="1800" b="1" spc="-65">
                 <a:latin typeface="Times New Roman" panose="02020603050405020304"/>
                 <a:cs typeface="Times New Roman" panose="02020603050405020304"/>
               </a:rPr>
               <a:t> </a:t>
             </a:r>
             <a:r>
-              <a:rPr sz="2300" b="1">
+              <a:rPr sz="1800" b="1">
                 <a:latin typeface="Times New Roman" panose="02020603050405020304"/>
                 <a:cs typeface="Times New Roman" panose="02020603050405020304"/>
               </a:rPr>
               <a:t>PGS.</a:t>
             </a:r>
             <a:r>
-              <a:rPr lang="en-US" sz="2300" b="1">
+              <a:rPr lang="en-US" sz="1800" b="1">
                 <a:latin typeface="Times New Roman" panose="02020603050405020304"/>
                 <a:cs typeface="Times New Roman" panose="02020603050405020304"/>
               </a:rPr>
               <a:t> </a:t>
             </a:r>
             <a:r>
-              <a:rPr sz="2300" b="1">
+              <a:rPr sz="1800" b="1">
                 <a:latin typeface="Times New Roman" panose="02020603050405020304"/>
                 <a:cs typeface="Times New Roman" panose="02020603050405020304"/>
               </a:rPr>
               <a:t>TS.</a:t>
             </a:r>
             <a:r>
-              <a:rPr sz="2300" b="1" spc="-80">
+              <a:rPr sz="1800" b="1" spc="-80">
                 <a:latin typeface="Times New Roman" panose="02020603050405020304"/>
                 <a:cs typeface="Times New Roman" panose="02020603050405020304"/>
               </a:rPr>
               <a:t> </a:t>
             </a:r>
             <a:r>
-              <a:rPr sz="2300" b="1">
+              <a:rPr sz="1800" b="1">
                 <a:latin typeface="Times New Roman" panose="02020603050405020304"/>
                 <a:cs typeface="Times New Roman" panose="02020603050405020304"/>
               </a:rPr>
               <a:t>NGUYỄN</a:t>
             </a:r>
             <a:r>
-              <a:rPr sz="2300" b="1" spc="-80">
+              <a:rPr sz="1800" b="1" spc="-80">
                 <a:latin typeface="Times New Roman" panose="02020603050405020304"/>
                 <a:cs typeface="Times New Roman" panose="02020603050405020304"/>
               </a:rPr>
               <a:t> </a:t>
             </a:r>
             <a:r>
-              <a:rPr sz="2300" b="1">
+              <a:rPr sz="1800" b="1">
                 <a:latin typeface="Times New Roman" panose="02020603050405020304"/>
                 <a:cs typeface="Times New Roman" panose="02020603050405020304"/>
               </a:rPr>
               <a:t>MINH</a:t>
             </a:r>
             <a:r>
-              <a:rPr sz="2300" b="1" spc="-80">
+              <a:rPr sz="1800" b="1" spc="-80">
                 <a:latin typeface="Times New Roman" panose="02020603050405020304"/>
                 <a:cs typeface="Times New Roman" panose="02020603050405020304"/>
               </a:rPr>
               <a:t> </a:t>
             </a:r>
             <a:r>
-              <a:rPr sz="2300" b="1" spc="-20">
+              <a:rPr sz="1800" b="1" spc="-20">
                 <a:latin typeface="Times New Roman" panose="02020603050405020304"/>
                 <a:cs typeface="Times New Roman" panose="02020603050405020304"/>
               </a:rPr>
               <a:t>TIẾN</a:t>
             </a:r>
-            <a:endParaRPr sz="2300">
+            <a:endParaRPr sz="1800">
               <a:latin typeface="Times New Roman" panose="02020603050405020304"/>
               <a:cs typeface="Times New Roman" panose="02020603050405020304"/>
             </a:endParaRPr>
@@ -3660,69 +3668,69 @@
               </a:spcBef>
             </a:pPr>
             <a:r>
-              <a:rPr sz="2300" b="1">
+              <a:rPr sz="1800" b="1">
                 <a:latin typeface="Times New Roman" panose="02020603050405020304"/>
                 <a:cs typeface="Times New Roman" panose="02020603050405020304"/>
               </a:rPr>
               <a:t>TRÌNH</a:t>
             </a:r>
             <a:r>
-              <a:rPr sz="2300" b="1" spc="-65">
+              <a:rPr sz="1800" b="1" spc="-65">
                 <a:latin typeface="Times New Roman" panose="02020603050405020304"/>
                 <a:cs typeface="Times New Roman" panose="02020603050405020304"/>
               </a:rPr>
               <a:t> </a:t>
             </a:r>
             <a:r>
-              <a:rPr sz="2300" b="1" spc="-30">
+              <a:rPr sz="1800" b="1" spc="-30">
                 <a:latin typeface="Times New Roman" panose="02020603050405020304"/>
                 <a:cs typeface="Times New Roman" panose="02020603050405020304"/>
               </a:rPr>
               <a:t>BÀY:</a:t>
             </a:r>
             <a:r>
-              <a:rPr sz="2300" b="1" spc="-95">
+              <a:rPr sz="1800" b="1" spc="-95">
                 <a:latin typeface="Times New Roman" panose="02020603050405020304"/>
                 <a:cs typeface="Times New Roman" panose="02020603050405020304"/>
               </a:rPr>
               <a:t> </a:t>
             </a:r>
             <a:r>
-              <a:rPr sz="2300" b="1" spc="-35">
+              <a:rPr sz="1800" b="1" spc="-35">
                 <a:latin typeface="Times New Roman" panose="02020603050405020304"/>
                 <a:cs typeface="Times New Roman" panose="02020603050405020304"/>
               </a:rPr>
               <a:t>DƯƠNG</a:t>
             </a:r>
             <a:r>
-              <a:rPr sz="2300" b="1" spc="-114">
+              <a:rPr sz="1800" b="1" spc="-114">
                 <a:latin typeface="Times New Roman" panose="02020603050405020304"/>
                 <a:cs typeface="Times New Roman" panose="02020603050405020304"/>
               </a:rPr>
               <a:t> </a:t>
             </a:r>
             <a:r>
-              <a:rPr sz="2300" b="1" spc="-45">
+              <a:rPr sz="1800" b="1" spc="-45">
                 <a:latin typeface="Times New Roman" panose="02020603050405020304"/>
                 <a:cs typeface="Times New Roman" panose="02020603050405020304"/>
               </a:rPr>
               <a:t>VIỆT</a:t>
             </a:r>
             <a:r>
-              <a:rPr sz="2300" b="1" spc="-95">
+              <a:rPr sz="1800" b="1" spc="-95">
                 <a:latin typeface="Times New Roman" panose="02020603050405020304"/>
                 <a:cs typeface="Times New Roman" panose="02020603050405020304"/>
               </a:rPr>
               <a:t> </a:t>
             </a:r>
             <a:r>
-              <a:rPr sz="2300" b="1" spc="-20">
+              <a:rPr sz="1800" b="1" spc="-20">
                 <a:latin typeface="Times New Roman" panose="02020603050405020304"/>
                 <a:cs typeface="Times New Roman" panose="02020603050405020304"/>
               </a:rPr>
               <a:t>HÙNG</a:t>
             </a:r>
-            <a:endParaRPr sz="2300">
+            <a:endParaRPr sz="1800">
               <a:latin typeface="Times New Roman" panose="02020603050405020304"/>
               <a:cs typeface="Times New Roman" panose="02020603050405020304"/>
             </a:endParaRPr>
@@ -5943,7 +5951,7 @@
         <p:spPr>
           <a:xfrm>
             <a:off x="78130" y="838200"/>
-            <a:ext cx="8913470" cy="4801314"/>
+            <a:ext cx="8913470" cy="6062345"/>
           </a:xfrm>
           <a:prstGeom prst="rect">
             <a:avLst/>
@@ -6079,6 +6087,40 @@
               <a:latin typeface="Times New Roman" panose="02020603050405020304" pitchFamily="18" charset="0"/>
               <a:cs typeface="Times New Roman" panose="02020603050405020304" pitchFamily="18" charset="0"/>
             </a:endParaRPr>
+          </a:p>
+          <a:p>
+            <a:pPr marL="342900" indent="-342900">
+              <a:buFont typeface="+mj-lt"/>
+              <a:buAutoNum type="arabicPeriod"/>
+            </a:pPr>
+            <a:endParaRPr lang="en-US" sz="3200">
+              <a:latin typeface="Times New Roman" panose="02020603050405020304" pitchFamily="18" charset="0"/>
+              <a:cs typeface="Times New Roman" panose="02020603050405020304" pitchFamily="18" charset="0"/>
+            </a:endParaRPr>
+          </a:p>
+          <a:p>
+            <a:pPr marL="342900" indent="-342900">
+              <a:buFont typeface="+mj-lt"/>
+              <a:buAutoNum type="arabicPeriod"/>
+            </a:pPr>
+            <a:r>
+              <a:rPr lang="en-US" sz="3200">
+                <a:latin typeface="Times New Roman" panose="02020603050405020304" pitchFamily="18" charset="0"/>
+                <a:cs typeface="Times New Roman" panose="02020603050405020304" pitchFamily="18" charset="0"/>
+              </a:rPr>
+              <a:t>Kết Luận</a:t>
+            </a:r>
+            <a:endParaRPr lang="en-US" sz="3200">
+              <a:latin typeface="Times New Roman" panose="02020603050405020304" pitchFamily="18" charset="0"/>
+              <a:cs typeface="Times New Roman" panose="02020603050405020304" pitchFamily="18" charset="0"/>
+            </a:endParaRPr>
+          </a:p>
+          <a:p>
+            <a:pPr marL="285750" indent="-285750">
+              <a:buFont typeface="Arial" panose="020B0604020202020204" pitchFamily="34" charset="0"/>
+              <a:buChar char="•"/>
+            </a:pPr>
+            <a:endParaRPr lang="en-US"/>
           </a:p>
           <a:p>
             <a:pPr marL="285750" indent="-285750">
@@ -18099,7 +18141,7 @@
         <p:spPr>
           <a:xfrm>
             <a:off x="228600" y="762000"/>
-            <a:ext cx="8610599" cy="4717958"/>
+            <a:ext cx="8610599" cy="5290820"/>
           </a:xfrm>
           <a:prstGeom prst="rect">
             <a:avLst/>
@@ -18120,24 +18162,14 @@
               </a:spcBef>
             </a:pPr>
             <a:r>
-              <a:rPr sz="2400" b="1">
+              <a:rPr lang="en-US" altLang="en-US" sz="2400" b="1">
                 <a:solidFill>
                   <a:srgbClr val="0D0D0D"/>
                 </a:solidFill>
                 <a:latin typeface="Times New Roman" panose="02020603050405020304"/>
                 <a:cs typeface="Times New Roman" panose="02020603050405020304"/>
               </a:rPr>
-              <a:t>Mụ</a:t>
-            </a:r>
-            <a:r>
-              <a:rPr lang="en-US" sz="2400" b="1">
-                <a:solidFill>
-                  <a:srgbClr val="0D0D0D"/>
-                </a:solidFill>
-                <a:latin typeface="Times New Roman" panose="02020603050405020304"/>
-                <a:cs typeface="Times New Roman" panose="02020603050405020304"/>
-              </a:rPr>
-              <a:t>c tiêu</a:t>
+              <a:t>Bài toán</a:t>
             </a:r>
             <a:r>
               <a:rPr sz="2200" spc="-20">
@@ -18158,7 +18190,7 @@
             </a:endParaRPr>
           </a:p>
           <a:p>
-            <a:pPr marL="20320">
+            <a:pPr marL="20320" algn="just">
               <a:spcBef>
                 <a:spcPts val="1390"/>
               </a:spcBef>
@@ -18168,25 +18200,7 @@
                 <a:effectLst/>
                 <a:latin typeface="+mj-lt"/>
               </a:rPr>
-              <a:t>Hiện nay, các bệnh liên quan đến phổi, như ung thư phổi hay bệnh phổi tắc nghẽn mãn tính, đang là một vấn đề sức khỏe nghiêm trọng trên toàn cầu. Những yếu tố như hút thuốc, ô nhiễm môi trường, hay căng thẳng tâm lý đều có thể làm tăng nguy cơ mắc bệnh. </a:t>
-            </a:r>
-            <a:endParaRPr lang="en-US" sz="2400">
-              <a:effectLst/>
-              <a:latin typeface="+mj-lt"/>
-            </a:endParaRPr>
-          </a:p>
-          <a:p>
-            <a:pPr marL="20320">
-              <a:spcBef>
-                <a:spcPts val="1390"/>
-              </a:spcBef>
-            </a:pPr>
-            <a:r>
-              <a:rPr lang="vi-VN" sz="2400">
-                <a:effectLst/>
-                <a:latin typeface="+mj-lt"/>
-              </a:rPr>
-              <a:t>Tuy nhiên, nếu phát hiện sớm, khả năng điều trị thành công sẽ cao hơn rất nhiều. Chính vì thế, em muốn tận dụng sức mạnh của Machine Learning để xây dựng </a:t>
+              <a:t>Hiện nay, các bệnh liên quan đến phổi, như ung thư phổi hay bệnh phổi tắc nghẽn mãn tính, đang là một vấn đề sức khỏe nghiêm trọng trên toàn cầu. Tuy nhiên, nếu phát hiện sớm, khả năng điều trị thành công sẽ cao hơn rất nhiều. Chính vì thế, em muốn tận dụng sức mạnh của Machine Learning để xây dựng </a:t>
             </a:r>
             <a:r>
               <a:rPr lang="en-US" sz="2400">
@@ -18206,6 +18220,62 @@
             <a:endParaRPr lang="vi-VN" sz="2400">
               <a:effectLst/>
               <a:latin typeface="+mj-lt"/>
+            </a:endParaRPr>
+          </a:p>
+          <a:p>
+            <a:pPr marL="20320">
+              <a:spcBef>
+                <a:spcPts val="1390"/>
+              </a:spcBef>
+            </a:pPr>
+            <a:r>
+              <a:rPr lang="en-US" altLang="en-US" sz="2400" b="1">
+                <a:solidFill>
+                  <a:srgbClr val="0D0D0D"/>
+                </a:solidFill>
+                <a:latin typeface="Times New Roman" panose="02020603050405020304"/>
+                <a:cs typeface="Times New Roman" panose="02020603050405020304"/>
+                <a:sym typeface="+mn-ea"/>
+              </a:rPr>
+              <a:t>Mục tiêu</a:t>
+            </a:r>
+            <a:r>
+              <a:rPr sz="2400" spc="-20">
+                <a:solidFill>
+                  <a:srgbClr val="0D0D0D"/>
+                </a:solidFill>
+                <a:latin typeface="Times New Roman" panose="02020603050405020304"/>
+                <a:cs typeface="Times New Roman" panose="02020603050405020304"/>
+                <a:sym typeface="+mn-ea"/>
+              </a:rPr>
+              <a:t>:</a:t>
+            </a:r>
+            <a:endParaRPr lang="en-US" sz="2400" spc="-20">
+              <a:solidFill>
+                <a:srgbClr val="0D0D0D"/>
+              </a:solidFill>
+              <a:latin typeface="Times New Roman" panose="02020603050405020304"/>
+              <a:cs typeface="Times New Roman" panose="02020603050405020304"/>
+            </a:endParaRPr>
+          </a:p>
+          <a:p>
+            <a:pPr marL="20320" algn="just">
+              <a:spcBef>
+                <a:spcPts val="1390"/>
+              </a:spcBef>
+            </a:pPr>
+            <a:r>
+              <a:rPr lang="en-US" altLang="vi-VN" sz="2400">
+                <a:effectLst/>
+                <a:latin typeface="Times New Roman" panose="02020603050405020304" pitchFamily="18" charset="0"/>
+                <a:cs typeface="Times New Roman" panose="02020603050405020304" pitchFamily="18" charset="0"/>
+              </a:rPr>
+              <a:t>Đưa ra được một chương trình học máy có thể dự đoán bệnh nhân mắc ung thư phổi dựa trên các dữ liệu đầu vào.</a:t>
+            </a:r>
+            <a:endParaRPr lang="vi-VN" sz="2400">
+              <a:effectLst/>
+              <a:latin typeface="Times New Roman" panose="02020603050405020304" pitchFamily="18" charset="0"/>
+              <a:cs typeface="Times New Roman" panose="02020603050405020304" pitchFamily="18" charset="0"/>
             </a:endParaRPr>
           </a:p>
           <a:p>
@@ -18218,8 +18288,8 @@
               </a:spcBef>
             </a:pPr>
             <a:endParaRPr sz="2200">
-              <a:latin typeface="Times New Roman" panose="02020603050405020304"/>
-              <a:cs typeface="Times New Roman" panose="02020603050405020304"/>
+              <a:latin typeface="Times New Roman" panose="02020603050405020304" pitchFamily="18" charset="0"/>
+              <a:cs typeface="Times New Roman" panose="02020603050405020304" pitchFamily="18" charset="0"/>
             </a:endParaRPr>
           </a:p>
         </p:txBody>
@@ -18463,6 +18533,1011 @@
 </file>
 
 <file path=ppt/slides/slide31.xml><?xml version="1.0" encoding="utf-8"?>
+<p:sld xmlns:a="http://schemas.openxmlformats.org/drawingml/2006/main" xmlns:r="http://schemas.openxmlformats.org/officeDocument/2006/relationships" xmlns:p="http://schemas.openxmlformats.org/presentationml/2006/main">
+  <p:cSld>
+    <p:spTree>
+      <p:nvGrpSpPr>
+        <p:cNvPr id="1" name=""/>
+        <p:cNvGrpSpPr/>
+        <p:nvPr/>
+      </p:nvGrpSpPr>
+      <p:grpSpPr>
+        <a:xfrm>
+          <a:off x="0" y="0"/>
+          <a:ext cx="0" cy="0"/>
+          <a:chOff x="0" y="0"/>
+          <a:chExt cx="0" cy="0"/>
+        </a:xfrm>
+      </p:grpSpPr>
+      <p:sp>
+        <p:nvSpPr>
+          <p:cNvPr id="2" name="object 2"/>
+          <p:cNvSpPr txBox="1">
+            <a:spLocks noGrp="1"/>
+          </p:cNvSpPr>
+          <p:nvPr>
+            <p:ph type="title"/>
+          </p:nvPr>
+        </p:nvSpPr>
+        <p:spPr>
+          <a:xfrm>
+            <a:off x="78130" y="28143"/>
+            <a:ext cx="3914140" cy="442595"/>
+          </a:xfrm>
+          <a:prstGeom prst="rect">
+            <a:avLst/>
+          </a:prstGeom>
+        </p:spPr>
+        <p:txBody>
+          <a:bodyPr vert="horz" wrap="square" lIns="0" tIns="12065" rIns="0" bIns="0" rtlCol="0">
+            <a:spAutoFit/>
+          </a:bodyPr>
+          <a:lstStyle/>
+          <a:p>
+            <a:pPr marL="12700">
+              <a:lnSpc>
+                <a:spcPct val="100000"/>
+              </a:lnSpc>
+              <a:spcBef>
+                <a:spcPts val="95"/>
+              </a:spcBef>
+            </a:pPr>
+            <a:r>
+              <a:rPr lang="en-US">
+                <a:latin typeface="Times New Roman" panose="02020603050405020304" pitchFamily="18" charset="0"/>
+                <a:cs typeface="Times New Roman" panose="02020603050405020304" pitchFamily="18" charset="0"/>
+              </a:rPr>
+              <a:t>6</a:t>
+            </a:r>
+            <a:r>
+              <a:rPr>
+                <a:latin typeface="Times New Roman" panose="02020603050405020304" pitchFamily="18" charset="0"/>
+                <a:cs typeface="Times New Roman" panose="02020603050405020304" pitchFamily="18" charset="0"/>
+              </a:rPr>
+              <a:t>.</a:t>
+            </a:r>
+            <a:r>
+              <a:rPr spc="-20">
+                <a:latin typeface="Times New Roman" panose="02020603050405020304" pitchFamily="18" charset="0"/>
+                <a:cs typeface="Times New Roman" panose="02020603050405020304" pitchFamily="18" charset="0"/>
+              </a:rPr>
+              <a:t> </a:t>
+            </a:r>
+            <a:r>
+              <a:rPr lang="en-US">
+                <a:latin typeface="Times New Roman" panose="02020603050405020304" pitchFamily="18" charset="0"/>
+                <a:cs typeface="Times New Roman" panose="02020603050405020304" pitchFamily="18" charset="0"/>
+              </a:rPr>
+              <a:t>Kết luận</a:t>
+            </a:r>
+            <a:endParaRPr lang="en-US" spc="-20">
+              <a:latin typeface="Times New Roman" panose="02020603050405020304" pitchFamily="18" charset="0"/>
+              <a:cs typeface="Times New Roman" panose="02020603050405020304" pitchFamily="18" charset="0"/>
+            </a:endParaRPr>
+          </a:p>
+        </p:txBody>
+      </p:sp>
+      <p:sp>
+        <p:nvSpPr>
+          <p:cNvPr id="4" name="object 4"/>
+          <p:cNvSpPr txBox="1">
+            <a:spLocks noGrp="1"/>
+          </p:cNvSpPr>
+          <p:nvPr>
+            <p:ph type="dt" sz="half" idx="6"/>
+          </p:nvPr>
+        </p:nvSpPr>
+        <p:spPr>
+          <a:prstGeom prst="rect">
+            <a:avLst/>
+          </a:prstGeom>
+        </p:spPr>
+        <p:txBody>
+          <a:bodyPr vert="horz" wrap="square" lIns="0" tIns="0" rIns="0" bIns="0" rtlCol="0">
+            <a:spAutoFit/>
+          </a:bodyPr>
+          <a:lstStyle/>
+          <a:p>
+            <a:pPr marL="12700">
+              <a:lnSpc>
+                <a:spcPts val="1630"/>
+              </a:lnSpc>
+            </a:pPr>
+            <a:r>
+              <a:rPr lang="en-US" spc="-10"/>
+              <a:t>30/5/2025</a:t>
+            </a:r>
+            <a:endParaRPr spc="-10"/>
+          </a:p>
+        </p:txBody>
+      </p:sp>
+      <p:sp>
+        <p:nvSpPr>
+          <p:cNvPr id="6" name="Slide Number Placeholder 5"/>
+          <p:cNvSpPr>
+            <a:spLocks noGrp="1"/>
+          </p:cNvSpPr>
+          <p:nvPr>
+            <p:ph type="sldNum" sz="quarter" idx="7"/>
+          </p:nvPr>
+        </p:nvSpPr>
+        <p:spPr/>
+        <p:txBody>
+          <a:bodyPr/>
+          <a:lstStyle/>
+          <a:p>
+            <a:pPr marL="38100">
+              <a:lnSpc>
+                <a:spcPts val="1630"/>
+              </a:lnSpc>
+            </a:pPr>
+            <a:fld id="{81D60167-4931-47E6-BA6A-407CBD079E47}" type="slidenum">
+              <a:rPr lang="en-US" spc="-25" smtClean="0"/>
+            </a:fld>
+            <a:endParaRPr lang="en-US" spc="-25"/>
+          </a:p>
+        </p:txBody>
+      </p:sp>
+      <p:graphicFrame>
+        <p:nvGraphicFramePr>
+          <p:cNvPr id="5" name="Table 4"/>
+          <p:cNvGraphicFramePr/>
+          <p:nvPr>
+            <p:custDataLst>
+              <p:tags r:id="rId1"/>
+            </p:custDataLst>
+          </p:nvPr>
+        </p:nvGraphicFramePr>
+        <p:xfrm>
+          <a:off x="76200" y="838200"/>
+          <a:ext cx="8947150" cy="5657850"/>
+        </p:xfrm>
+        <a:graphic>
+          <a:graphicData uri="http://schemas.openxmlformats.org/drawingml/2006/table">
+            <a:tbl>
+              <a:tblPr firstRow="1" bandRow="1">
+                <a:tableStyleId>{5C22544A-7EE6-4342-B048-85BDC9FD1C3A}</a:tableStyleId>
+              </a:tblPr>
+              <a:tblGrid>
+                <a:gridCol w="1729105"/>
+                <a:gridCol w="7218045"/>
+              </a:tblGrid>
+              <a:tr h="565785">
+                <a:tc>
+                  <a:txBody>
+                    <a:bodyPr/>
+                    <a:p>
+                      <a:r>
+                        <a:rPr lang="en-US" altLang="zh-CN" sz="1600" b="1">
+                          <a:latin typeface="Times New Roman" panose="02020603050405020304" pitchFamily="18" charset="0"/>
+                          <a:cs typeface="Times New Roman" panose="02020603050405020304" pitchFamily="18" charset="0"/>
+                        </a:rPr>
+                        <a:t>Nội dung</a:t>
+                      </a:r>
+                      <a:endParaRPr lang="en-US" altLang="zh-CN" sz="1600" b="1">
+                        <a:latin typeface="Times New Roman" panose="02020603050405020304" pitchFamily="18" charset="0"/>
+                        <a:cs typeface="Times New Roman" panose="02020603050405020304" pitchFamily="18" charset="0"/>
+                      </a:endParaRPr>
+                    </a:p>
+                  </a:txBody>
+                  <a:tcPr marL="45720" marR="45720" anchor="ctr" anchorCtr="0"/>
+                </a:tc>
+                <a:tc>
+                  <a:txBody>
+                    <a:bodyPr/>
+                    <a:p>
+                      <a:r>
+                        <a:rPr lang="en-US" altLang="zh-CN" sz="1600" b="1">
+                          <a:latin typeface="Times New Roman" panose="02020603050405020304" pitchFamily="18" charset="0"/>
+                          <a:cs typeface="Times New Roman" panose="02020603050405020304" pitchFamily="18" charset="0"/>
+                        </a:rPr>
+                        <a:t>Chi tiết</a:t>
+                      </a:r>
+                      <a:endParaRPr lang="en-US" altLang="zh-CN" sz="1600" b="1">
+                        <a:latin typeface="Times New Roman" panose="02020603050405020304" pitchFamily="18" charset="0"/>
+                        <a:cs typeface="Times New Roman" panose="02020603050405020304" pitchFamily="18" charset="0"/>
+                      </a:endParaRPr>
+                    </a:p>
+                  </a:txBody>
+                  <a:tcPr marL="45720" marR="45720" anchor="ctr" anchorCtr="0"/>
+                </a:tc>
+              </a:tr>
+              <a:tr h="565785">
+                <a:tc>
+                  <a:txBody>
+                    <a:bodyPr/>
+                    <a:p>
+                      <a:r>
+                        <a:rPr lang="en-US" altLang="zh-CN" sz="1600" b="1">
+                          <a:latin typeface="Times New Roman" panose="02020603050405020304" pitchFamily="18" charset="0"/>
+                          <a:cs typeface="Times New Roman" panose="02020603050405020304" pitchFamily="18" charset="0"/>
+                        </a:rPr>
+                        <a:t>Thành tựu</a:t>
+                      </a:r>
+                      <a:endParaRPr lang="en-US" altLang="zh-CN" sz="1600" b="1">
+                        <a:latin typeface="Times New Roman" panose="02020603050405020304" pitchFamily="18" charset="0"/>
+                        <a:cs typeface="Times New Roman" panose="02020603050405020304" pitchFamily="18" charset="0"/>
+                      </a:endParaRPr>
+                    </a:p>
+                  </a:txBody>
+                  <a:tcPr marL="45720" marR="45720" anchor="ctr" anchorCtr="0"/>
+                </a:tc>
+                <a:tc>
+                  <a:txBody>
+                    <a:bodyPr/>
+                    <a:p>
+                      <a:pPr algn="l">
+                        <a:buNone/>
+                      </a:pPr>
+                      <a:r>
+                        <a:rPr lang="en-US" altLang="en-GB" sz="1300">
+                          <a:latin typeface="Times New Roman" panose="02020603050405020304" pitchFamily="18" charset="0"/>
+                          <a:cs typeface="Times New Roman" panose="02020603050405020304" pitchFamily="18" charset="0"/>
+                        </a:rPr>
+                        <a:t>- X</a:t>
+                      </a:r>
+                      <a:r>
+                        <a:rPr lang="en-US" altLang="en-US" sz="1300">
+                          <a:latin typeface="Times New Roman" panose="02020603050405020304" pitchFamily="18" charset="0"/>
+                          <a:cs typeface="Times New Roman" panose="02020603050405020304" pitchFamily="18" charset="0"/>
+                        </a:rPr>
+                        <a:t>â</a:t>
+                      </a:r>
+                      <a:r>
+                        <a:rPr lang="en-US" altLang="en-GB" sz="1300">
+                          <a:latin typeface="Times New Roman" panose="02020603050405020304" pitchFamily="18" charset="0"/>
+                          <a:cs typeface="Times New Roman" panose="02020603050405020304" pitchFamily="18" charset="0"/>
+                        </a:rPr>
+                        <a:t>y dựng </a:t>
+                      </a:r>
+                      <a:r>
+                        <a:rPr lang="" altLang="en-US" sz="1300">
+                          <a:latin typeface="Times New Roman" panose="02020603050405020304" pitchFamily="18" charset="0"/>
+                          <a:cs typeface="Times New Roman" panose="02020603050405020304" pitchFamily="18" charset="0"/>
+                        </a:rPr>
+                        <a:t>đư</a:t>
+                      </a:r>
+                      <a:r>
+                        <a:rPr lang="en-US" altLang="en-GB" sz="1300">
+                          <a:latin typeface="Times New Roman" panose="02020603050405020304" pitchFamily="18" charset="0"/>
+                          <a:cs typeface="Times New Roman" panose="02020603050405020304" pitchFamily="18" charset="0"/>
+                        </a:rPr>
+                        <a:t>ợc quy tr</a:t>
+                      </a:r>
+                      <a:r>
+                        <a:rPr lang="en-US" altLang="en-US" sz="1300">
+                          <a:latin typeface="Times New Roman" panose="02020603050405020304" pitchFamily="18" charset="0"/>
+                          <a:cs typeface="Times New Roman" panose="02020603050405020304" pitchFamily="18" charset="0"/>
+                        </a:rPr>
+                        <a:t>ì</a:t>
+                      </a:r>
+                      <a:r>
+                        <a:rPr lang="en-US" altLang="en-GB" sz="1300">
+                          <a:latin typeface="Times New Roman" panose="02020603050405020304" pitchFamily="18" charset="0"/>
+                          <a:cs typeface="Times New Roman" panose="02020603050405020304" pitchFamily="18" charset="0"/>
+                        </a:rPr>
+                        <a:t>nh dự </a:t>
+                      </a:r>
+                      <a:r>
+                        <a:rPr lang="" altLang="en-US" sz="1300">
+                          <a:latin typeface="Times New Roman" panose="02020603050405020304" pitchFamily="18" charset="0"/>
+                          <a:cs typeface="Times New Roman" panose="02020603050405020304" pitchFamily="18" charset="0"/>
+                        </a:rPr>
+                        <a:t>đ</a:t>
+                      </a:r>
+                      <a:r>
+                        <a:rPr lang="en-US" altLang="en-GB" sz="1300">
+                          <a:latin typeface="Times New Roman" panose="02020603050405020304" pitchFamily="18" charset="0"/>
+                          <a:cs typeface="Times New Roman" panose="02020603050405020304" pitchFamily="18" charset="0"/>
+                        </a:rPr>
+                        <a:t>o</a:t>
+                      </a:r>
+                      <a:r>
+                        <a:rPr lang="en-US" altLang="en-US" sz="1300">
+                          <a:latin typeface="Times New Roman" panose="02020603050405020304" pitchFamily="18" charset="0"/>
+                          <a:cs typeface="Times New Roman" panose="02020603050405020304" pitchFamily="18" charset="0"/>
+                        </a:rPr>
+                        <a:t>á</a:t>
+                      </a:r>
+                      <a:r>
+                        <a:rPr lang="en-US" altLang="en-GB" sz="1300">
+                          <a:latin typeface="Times New Roman" panose="02020603050405020304" pitchFamily="18" charset="0"/>
+                          <a:cs typeface="Times New Roman" panose="02020603050405020304" pitchFamily="18" charset="0"/>
+                        </a:rPr>
+                        <a:t>n ung th</a:t>
+                      </a:r>
+                      <a:r>
+                        <a:rPr lang="" altLang="en-US" sz="1300">
+                          <a:latin typeface="Times New Roman" panose="02020603050405020304" pitchFamily="18" charset="0"/>
+                          <a:cs typeface="Times New Roman" panose="02020603050405020304" pitchFamily="18" charset="0"/>
+                        </a:rPr>
+                        <a:t>ư</a:t>
+                      </a:r>
+                      <a:r>
+                        <a:rPr lang="en-US" altLang="en-GB" sz="1300">
+                          <a:latin typeface="Times New Roman" panose="02020603050405020304" pitchFamily="18" charset="0"/>
+                          <a:cs typeface="Times New Roman" panose="02020603050405020304" pitchFamily="18" charset="0"/>
+                        </a:rPr>
+                        <a:t> phổi bằng học m</a:t>
+                      </a:r>
+                      <a:r>
+                        <a:rPr lang="en-US" altLang="en-US" sz="1300">
+                          <a:latin typeface="Times New Roman" panose="02020603050405020304" pitchFamily="18" charset="0"/>
+                          <a:cs typeface="Times New Roman" panose="02020603050405020304" pitchFamily="18" charset="0"/>
+                        </a:rPr>
+                        <a:t>á</a:t>
+                      </a:r>
+                      <a:r>
+                        <a:rPr lang="en-US" altLang="en-GB" sz="1300">
+                          <a:latin typeface="Times New Roman" panose="02020603050405020304" pitchFamily="18" charset="0"/>
+                          <a:cs typeface="Times New Roman" panose="02020603050405020304" pitchFamily="18" charset="0"/>
+                        </a:rPr>
+                        <a:t>y.</a:t>
+                      </a:r>
+                      <a:endParaRPr lang="en-US" altLang="en-GB" sz="1300">
+                        <a:latin typeface="Times New Roman" panose="02020603050405020304" pitchFamily="18" charset="0"/>
+                        <a:cs typeface="Times New Roman" panose="02020603050405020304" pitchFamily="18" charset="0"/>
+                      </a:endParaRPr>
+                    </a:p>
+                    <a:p>
+                      <a:pPr algn="l">
+                        <a:buNone/>
+                      </a:pPr>
+                      <a:endParaRPr lang="en-US" altLang="en-GB" sz="1300">
+                        <a:latin typeface="Times New Roman" panose="02020603050405020304" pitchFamily="18" charset="0"/>
+                        <a:cs typeface="Times New Roman" panose="02020603050405020304" pitchFamily="18" charset="0"/>
+                      </a:endParaRPr>
+                    </a:p>
+                  </a:txBody>
+                  <a:tcPr anchor="ctr" anchorCtr="0"/>
+                </a:tc>
+              </a:tr>
+              <a:tr h="565785">
+                <a:tc>
+                  <a:txBody>
+                    <a:bodyPr/>
+                    <a:p>
+                      <a:pPr>
+                        <a:buNone/>
+                      </a:pPr>
+                      <a:endParaRPr lang="en-GB" altLang="en-US" sz="1600" b="1">
+                        <a:latin typeface="Times New Roman" panose="02020603050405020304" pitchFamily="18" charset="0"/>
+                        <a:cs typeface="Times New Roman" panose="02020603050405020304" pitchFamily="18" charset="0"/>
+                      </a:endParaRPr>
+                    </a:p>
+                  </a:txBody>
+                  <a:tcPr marL="45720" marR="45720"/>
+                </a:tc>
+                <a:tc>
+                  <a:txBody>
+                    <a:bodyPr/>
+                    <a:p>
+                      <a:pPr algn="l">
+                        <a:buNone/>
+                      </a:pPr>
+                      <a:r>
+                        <a:rPr lang="en-US" altLang="en-GB" sz="1300">
+                          <a:latin typeface="Times New Roman" panose="02020603050405020304" pitchFamily="18" charset="0"/>
+                          <a:cs typeface="Times New Roman" panose="02020603050405020304" pitchFamily="18" charset="0"/>
+                        </a:rPr>
+                        <a:t>- </a:t>
+                      </a:r>
+                      <a:r>
+                        <a:rPr lang="" altLang="en-US" sz="1300">
+                          <a:latin typeface="Times New Roman" panose="02020603050405020304" pitchFamily="18" charset="0"/>
+                          <a:cs typeface="Times New Roman" panose="02020603050405020304" pitchFamily="18" charset="0"/>
+                        </a:rPr>
+                        <a:t>Á</a:t>
+                      </a:r>
+                      <a:r>
+                        <a:rPr lang="en-US" altLang="en-GB" sz="1300">
+                          <a:latin typeface="Times New Roman" panose="02020603050405020304" pitchFamily="18" charset="0"/>
+                          <a:cs typeface="Times New Roman" panose="02020603050405020304" pitchFamily="18" charset="0"/>
+                        </a:rPr>
+                        <a:t>p dụng nhiều mô h</a:t>
+                      </a:r>
+                      <a:r>
+                        <a:rPr lang="en-US" altLang="en-US" sz="1300">
+                          <a:latin typeface="Times New Roman" panose="02020603050405020304" pitchFamily="18" charset="0"/>
+                          <a:cs typeface="Times New Roman" panose="02020603050405020304" pitchFamily="18" charset="0"/>
+                        </a:rPr>
+                        <a:t>ì</a:t>
+                      </a:r>
+                      <a:r>
+                        <a:rPr lang="en-US" altLang="en-GB" sz="1300">
+                          <a:latin typeface="Times New Roman" panose="02020603050405020304" pitchFamily="18" charset="0"/>
+                          <a:cs typeface="Times New Roman" panose="02020603050405020304" pitchFamily="18" charset="0"/>
+                        </a:rPr>
+                        <a:t>nh kh</a:t>
+                      </a:r>
+                      <a:r>
+                        <a:rPr lang="en-US" altLang="en-US" sz="1300">
+                          <a:latin typeface="Times New Roman" panose="02020603050405020304" pitchFamily="18" charset="0"/>
+                          <a:cs typeface="Times New Roman" panose="02020603050405020304" pitchFamily="18" charset="0"/>
+                        </a:rPr>
+                        <a:t>á</a:t>
+                      </a:r>
+                      <a:r>
+                        <a:rPr lang="en-US" altLang="en-GB" sz="1300">
+                          <a:latin typeface="Times New Roman" panose="02020603050405020304" pitchFamily="18" charset="0"/>
+                          <a:cs typeface="Times New Roman" panose="02020603050405020304" pitchFamily="18" charset="0"/>
+                        </a:rPr>
+                        <a:t>c nhau nh</a:t>
+                      </a:r>
+                      <a:r>
+                        <a:rPr lang="" altLang="en-US" sz="1300">
+                          <a:latin typeface="Times New Roman" panose="02020603050405020304" pitchFamily="18" charset="0"/>
+                          <a:cs typeface="Times New Roman" panose="02020603050405020304" pitchFamily="18" charset="0"/>
+                        </a:rPr>
+                        <a:t>ư</a:t>
+                      </a:r>
+                      <a:r>
+                        <a:rPr lang="en-US" altLang="en-GB" sz="1300">
+                          <a:latin typeface="Times New Roman" panose="02020603050405020304" pitchFamily="18" charset="0"/>
+                          <a:cs typeface="Times New Roman" panose="02020603050405020304" pitchFamily="18" charset="0"/>
+                        </a:rPr>
+                        <a:t> Decision Tree, Random Forest...</a:t>
+                      </a:r>
+                      <a:endParaRPr lang="en-US" altLang="en-GB" sz="1300">
+                        <a:latin typeface="Times New Roman" panose="02020603050405020304" pitchFamily="18" charset="0"/>
+                        <a:cs typeface="Times New Roman" panose="02020603050405020304" pitchFamily="18" charset="0"/>
+                      </a:endParaRPr>
+                    </a:p>
+                  </a:txBody>
+                  <a:tcPr anchor="ctr" anchorCtr="0"/>
+                </a:tc>
+              </a:tr>
+              <a:tr h="565785">
+                <a:tc>
+                  <a:txBody>
+                    <a:bodyPr/>
+                    <a:p>
+                      <a:pPr>
+                        <a:buNone/>
+                      </a:pPr>
+                      <a:endParaRPr lang="en-GB" altLang="en-US" sz="1600" b="1">
+                        <a:latin typeface="Times New Roman" panose="02020603050405020304" pitchFamily="18" charset="0"/>
+                        <a:cs typeface="Times New Roman" panose="02020603050405020304" pitchFamily="18" charset="0"/>
+                      </a:endParaRPr>
+                    </a:p>
+                  </a:txBody>
+                  <a:tcPr marL="45720" marR="45720"/>
+                </a:tc>
+                <a:tc>
+                  <a:txBody>
+                    <a:bodyPr/>
+                    <a:p>
+                      <a:pPr algn="l">
+                        <a:buNone/>
+                      </a:pPr>
+                      <a:r>
+                        <a:rPr lang="en-US" altLang="en-GB" sz="1300">
+                          <a:latin typeface="Times New Roman" panose="02020603050405020304" pitchFamily="18" charset="0"/>
+                          <a:cs typeface="Times New Roman" panose="02020603050405020304" pitchFamily="18" charset="0"/>
+                        </a:rPr>
+                        <a:t>- Cải thiện hiệu suất qua tiền xử l</a:t>
+                      </a:r>
+                      <a:r>
+                        <a:rPr lang="" altLang="en-US" sz="1300">
+                          <a:latin typeface="Times New Roman" panose="02020603050405020304" pitchFamily="18" charset="0"/>
+                          <a:cs typeface="Times New Roman" panose="02020603050405020304" pitchFamily="18" charset="0"/>
+                        </a:rPr>
+                        <a:t>ý</a:t>
+                      </a:r>
+                      <a:r>
+                        <a:rPr lang="en-US" altLang="en-GB" sz="1300">
+                          <a:latin typeface="Times New Roman" panose="02020603050405020304" pitchFamily="18" charset="0"/>
+                          <a:cs typeface="Times New Roman" panose="02020603050405020304" pitchFamily="18" charset="0"/>
+                        </a:rPr>
+                        <a:t> và </a:t>
+                      </a:r>
+                      <a:r>
+                        <a:rPr lang="" altLang="en-US" sz="1300">
+                          <a:latin typeface="Times New Roman" panose="02020603050405020304" pitchFamily="18" charset="0"/>
+                          <a:cs typeface="Times New Roman" panose="02020603050405020304" pitchFamily="18" charset="0"/>
+                        </a:rPr>
+                        <a:t>đ</a:t>
+                      </a:r>
+                      <a:r>
+                        <a:rPr lang="en-US" altLang="en-GB" sz="1300">
+                          <a:latin typeface="Times New Roman" panose="02020603050405020304" pitchFamily="18" charset="0"/>
+                          <a:cs typeface="Times New Roman" panose="02020603050405020304" pitchFamily="18" charset="0"/>
+                        </a:rPr>
+                        <a:t>iều chỉnh tham số.</a:t>
+                      </a:r>
+                      <a:endParaRPr lang="en-US" altLang="en-GB" sz="1300">
+                        <a:latin typeface="Times New Roman" panose="02020603050405020304" pitchFamily="18" charset="0"/>
+                        <a:cs typeface="Times New Roman" panose="02020603050405020304" pitchFamily="18" charset="0"/>
+                      </a:endParaRPr>
+                    </a:p>
+                  </a:txBody>
+                  <a:tcPr anchor="ctr" anchorCtr="0"/>
+                </a:tc>
+              </a:tr>
+              <a:tr h="565785">
+                <a:tc>
+                  <a:txBody>
+                    <a:bodyPr/>
+                    <a:p>
+                      <a:r>
+                        <a:rPr lang="en-US" altLang="zh-CN" sz="1600" b="1">
+                          <a:latin typeface="Times New Roman" panose="02020603050405020304" pitchFamily="18" charset="0"/>
+                          <a:cs typeface="Times New Roman" panose="02020603050405020304" pitchFamily="18" charset="0"/>
+                        </a:rPr>
+                        <a:t>Hạn chế</a:t>
+                      </a:r>
+                      <a:endParaRPr lang="en-US" altLang="zh-CN" sz="1600" b="1">
+                        <a:latin typeface="Times New Roman" panose="02020603050405020304" pitchFamily="18" charset="0"/>
+                        <a:cs typeface="Times New Roman" panose="02020603050405020304" pitchFamily="18" charset="0"/>
+                      </a:endParaRPr>
+                    </a:p>
+                  </a:txBody>
+                  <a:tcPr marL="45720" marR="45720" anchor="ctr" anchorCtr="0"/>
+                </a:tc>
+                <a:tc>
+                  <a:txBody>
+                    <a:bodyPr/>
+                    <a:p>
+                      <a:pPr algn="l">
+                        <a:buNone/>
+                      </a:pPr>
+                      <a:r>
+                        <a:rPr lang="en-US" altLang="en-GB" sz="1300">
+                          <a:latin typeface="Times New Roman" panose="02020603050405020304" pitchFamily="18" charset="0"/>
+                          <a:cs typeface="Times New Roman" panose="02020603050405020304" pitchFamily="18" charset="0"/>
+                        </a:rPr>
+                        <a:t>- Dữ liệu c</a:t>
+                      </a:r>
+                      <a:r>
+                        <a:rPr lang="en-US" altLang="en-US" sz="1300">
+                          <a:latin typeface="Times New Roman" panose="02020603050405020304" pitchFamily="18" charset="0"/>
+                          <a:cs typeface="Times New Roman" panose="02020603050405020304" pitchFamily="18" charset="0"/>
+                        </a:rPr>
+                        <a:t>ó</a:t>
+                      </a:r>
+                      <a:r>
+                        <a:rPr lang="en-US" altLang="en-GB" sz="1300">
+                          <a:latin typeface="Times New Roman" panose="02020603050405020304" pitchFamily="18" charset="0"/>
+                          <a:cs typeface="Times New Roman" panose="02020603050405020304" pitchFamily="18" charset="0"/>
+                        </a:rPr>
+                        <a:t> thể c</a:t>
+                      </a:r>
+                      <a:r>
+                        <a:rPr lang="en-US" altLang="en-US" sz="1300">
+                          <a:latin typeface="Times New Roman" panose="02020603050405020304" pitchFamily="18" charset="0"/>
+                          <a:cs typeface="Times New Roman" panose="02020603050405020304" pitchFamily="18" charset="0"/>
+                        </a:rPr>
+                        <a:t>ò</a:t>
+                      </a:r>
+                      <a:r>
+                        <a:rPr lang="en-US" altLang="en-GB" sz="1300">
+                          <a:latin typeface="Times New Roman" panose="02020603050405020304" pitchFamily="18" charset="0"/>
+                          <a:cs typeface="Times New Roman" panose="02020603050405020304" pitchFamily="18" charset="0"/>
+                        </a:rPr>
+                        <a:t>n hạn chế về số l</a:t>
+                      </a:r>
+                      <a:r>
+                        <a:rPr lang="" altLang="en-US" sz="1300">
+                          <a:latin typeface="Times New Roman" panose="02020603050405020304" pitchFamily="18" charset="0"/>
+                          <a:cs typeface="Times New Roman" panose="02020603050405020304" pitchFamily="18" charset="0"/>
+                        </a:rPr>
+                        <a:t>ư</a:t>
+                      </a:r>
+                      <a:r>
+                        <a:rPr lang="en-US" altLang="en-GB" sz="1300">
+                          <a:latin typeface="Times New Roman" panose="02020603050405020304" pitchFamily="18" charset="0"/>
+                          <a:cs typeface="Times New Roman" panose="02020603050405020304" pitchFamily="18" charset="0"/>
+                        </a:rPr>
+                        <a:t>ợng và t</a:t>
+                      </a:r>
+                      <a:r>
+                        <a:rPr lang="en-US" altLang="en-US" sz="1300">
+                          <a:latin typeface="Times New Roman" panose="02020603050405020304" pitchFamily="18" charset="0"/>
+                          <a:cs typeface="Times New Roman" panose="02020603050405020304" pitchFamily="18" charset="0"/>
+                        </a:rPr>
+                        <a:t>í</a:t>
+                      </a:r>
+                      <a:r>
+                        <a:rPr lang="en-US" altLang="en-GB" sz="1300">
+                          <a:latin typeface="Times New Roman" panose="02020603050405020304" pitchFamily="18" charset="0"/>
+                          <a:cs typeface="Times New Roman" panose="02020603050405020304" pitchFamily="18" charset="0"/>
+                        </a:rPr>
+                        <a:t>nh </a:t>
+                      </a:r>
+                      <a:r>
+                        <a:rPr lang="" altLang="en-US" sz="1300">
+                          <a:latin typeface="Times New Roman" panose="02020603050405020304" pitchFamily="18" charset="0"/>
+                          <a:cs typeface="Times New Roman" panose="02020603050405020304" pitchFamily="18" charset="0"/>
+                        </a:rPr>
+                        <a:t>đ</a:t>
+                      </a:r>
+                      <a:r>
+                        <a:rPr lang="en-US" altLang="en-GB" sz="1300">
+                          <a:latin typeface="Times New Roman" panose="02020603050405020304" pitchFamily="18" charset="0"/>
+                          <a:cs typeface="Times New Roman" panose="02020603050405020304" pitchFamily="18" charset="0"/>
+                        </a:rPr>
+                        <a:t>a dạng.</a:t>
+                      </a:r>
+                      <a:endParaRPr lang="en-US" altLang="en-GB" sz="1300">
+                        <a:latin typeface="Times New Roman" panose="02020603050405020304" pitchFamily="18" charset="0"/>
+                        <a:cs typeface="Times New Roman" panose="02020603050405020304" pitchFamily="18" charset="0"/>
+                      </a:endParaRPr>
+                    </a:p>
+                  </a:txBody>
+                  <a:tcPr anchor="ctr" anchorCtr="0"/>
+                </a:tc>
+              </a:tr>
+              <a:tr h="565785">
+                <a:tc>
+                  <a:txBody>
+                    <a:bodyPr/>
+                    <a:p>
+                      <a:pPr>
+                        <a:buNone/>
+                      </a:pPr>
+                      <a:endParaRPr lang="en-GB" altLang="en-US" sz="1600" b="1">
+                        <a:latin typeface="Times New Roman" panose="02020603050405020304" pitchFamily="18" charset="0"/>
+                        <a:cs typeface="Times New Roman" panose="02020603050405020304" pitchFamily="18" charset="0"/>
+                      </a:endParaRPr>
+                    </a:p>
+                  </a:txBody>
+                  <a:tcPr marL="45720" marR="45720"/>
+                </a:tc>
+                <a:tc>
+                  <a:txBody>
+                    <a:bodyPr/>
+                    <a:p>
+                      <a:pPr algn="l">
+                        <a:buNone/>
+                      </a:pPr>
+                      <a:r>
+                        <a:rPr lang="en-US" altLang="en-GB" sz="1300">
+                          <a:latin typeface="Times New Roman" panose="02020603050405020304" pitchFamily="18" charset="0"/>
+                          <a:cs typeface="Times New Roman" panose="02020603050405020304" pitchFamily="18" charset="0"/>
+                        </a:rPr>
+                        <a:t>- Một số mô h</a:t>
+                      </a:r>
+                      <a:r>
+                        <a:rPr lang="en-US" altLang="en-US" sz="1300">
+                          <a:latin typeface="Times New Roman" panose="02020603050405020304" pitchFamily="18" charset="0"/>
+                          <a:cs typeface="Times New Roman" panose="02020603050405020304" pitchFamily="18" charset="0"/>
+                        </a:rPr>
+                        <a:t>ì</a:t>
+                      </a:r>
+                      <a:r>
+                        <a:rPr lang="en-US" altLang="en-GB" sz="1300">
+                          <a:latin typeface="Times New Roman" panose="02020603050405020304" pitchFamily="18" charset="0"/>
+                          <a:cs typeface="Times New Roman" panose="02020603050405020304" pitchFamily="18" charset="0"/>
+                        </a:rPr>
+                        <a:t>nh c</a:t>
+                      </a:r>
+                      <a:r>
+                        <a:rPr lang="en-US" altLang="en-US" sz="1300">
+                          <a:latin typeface="Times New Roman" panose="02020603050405020304" pitchFamily="18" charset="0"/>
+                          <a:cs typeface="Times New Roman" panose="02020603050405020304" pitchFamily="18" charset="0"/>
+                        </a:rPr>
+                        <a:t>ó</a:t>
+                      </a:r>
+                      <a:r>
+                        <a:rPr lang="en-US" altLang="en-GB" sz="1300">
+                          <a:latin typeface="Times New Roman" panose="02020603050405020304" pitchFamily="18" charset="0"/>
+                          <a:cs typeface="Times New Roman" panose="02020603050405020304" pitchFamily="18" charset="0"/>
+                        </a:rPr>
+                        <a:t> thể ch</a:t>
+                      </a:r>
+                      <a:r>
+                        <a:rPr lang="" altLang="en-US" sz="1300">
+                          <a:latin typeface="Times New Roman" panose="02020603050405020304" pitchFamily="18" charset="0"/>
+                          <a:cs typeface="Times New Roman" panose="02020603050405020304" pitchFamily="18" charset="0"/>
+                        </a:rPr>
+                        <a:t>ư</a:t>
+                      </a:r>
+                      <a:r>
+                        <a:rPr lang="en-US" altLang="en-GB" sz="1300">
+                          <a:latin typeface="Times New Roman" panose="02020603050405020304" pitchFamily="18" charset="0"/>
+                          <a:cs typeface="Times New Roman" panose="02020603050405020304" pitchFamily="18" charset="0"/>
+                        </a:rPr>
+                        <a:t>a </a:t>
+                      </a:r>
+                      <a:r>
+                        <a:rPr lang="" altLang="en-US" sz="1300">
+                          <a:latin typeface="Times New Roman" panose="02020603050405020304" pitchFamily="18" charset="0"/>
+                          <a:cs typeface="Times New Roman" panose="02020603050405020304" pitchFamily="18" charset="0"/>
+                        </a:rPr>
+                        <a:t>đ</a:t>
+                      </a:r>
+                      <a:r>
+                        <a:rPr lang="en-US" altLang="en-GB" sz="1300">
+                          <a:latin typeface="Times New Roman" panose="02020603050405020304" pitchFamily="18" charset="0"/>
+                          <a:cs typeface="Times New Roman" panose="02020603050405020304" pitchFamily="18" charset="0"/>
+                        </a:rPr>
+                        <a:t>ạt hiệu quả tối </a:t>
+                      </a:r>
+                      <a:r>
+                        <a:rPr lang="" altLang="en-US" sz="1300">
+                          <a:latin typeface="Times New Roman" panose="02020603050405020304" pitchFamily="18" charset="0"/>
+                          <a:cs typeface="Times New Roman" panose="02020603050405020304" pitchFamily="18" charset="0"/>
+                        </a:rPr>
+                        <a:t>ư</a:t>
+                      </a:r>
+                      <a:r>
+                        <a:rPr lang="en-US" altLang="en-GB" sz="1300">
+                          <a:latin typeface="Times New Roman" panose="02020603050405020304" pitchFamily="18" charset="0"/>
+                          <a:cs typeface="Times New Roman" panose="02020603050405020304" pitchFamily="18" charset="0"/>
+                        </a:rPr>
+                        <a:t>u.</a:t>
+                      </a:r>
+                      <a:endParaRPr lang="en-US" altLang="en-GB" sz="1300">
+                        <a:latin typeface="Times New Roman" panose="02020603050405020304" pitchFamily="18" charset="0"/>
+                        <a:cs typeface="Times New Roman" panose="02020603050405020304" pitchFamily="18" charset="0"/>
+                      </a:endParaRPr>
+                    </a:p>
+                  </a:txBody>
+                  <a:tcPr anchor="ctr" anchorCtr="0"/>
+                </a:tc>
+              </a:tr>
+              <a:tr h="565785">
+                <a:tc>
+                  <a:txBody>
+                    <a:bodyPr/>
+                    <a:p>
+                      <a:pPr>
+                        <a:buNone/>
+                      </a:pPr>
+                      <a:endParaRPr lang="en-GB" altLang="en-US" sz="1600" b="1">
+                        <a:latin typeface="Times New Roman" panose="02020603050405020304" pitchFamily="18" charset="0"/>
+                        <a:cs typeface="Times New Roman" panose="02020603050405020304" pitchFamily="18" charset="0"/>
+                      </a:endParaRPr>
+                    </a:p>
+                  </a:txBody>
+                  <a:tcPr marL="45720" marR="45720"/>
+                </a:tc>
+                <a:tc>
+                  <a:txBody>
+                    <a:bodyPr/>
+                    <a:p>
+                      <a:pPr algn="l"/>
+                      <a:r>
+                        <a:rPr lang="en-US" altLang="zh-CN" sz="1300">
+                          <a:latin typeface="Times New Roman" panose="02020603050405020304" pitchFamily="18" charset="0"/>
+                          <a:cs typeface="Times New Roman" panose="02020603050405020304" pitchFamily="18" charset="0"/>
+                        </a:rPr>
+                        <a:t>  - Chưa áp dụng thử nghiệm thực tế với dữ liệu từ bệnh viện hoặc cơ sở y tế.</a:t>
+                      </a:r>
+                      <a:endParaRPr lang="en-US" altLang="zh-CN" sz="1300">
+                        <a:latin typeface="Times New Roman" panose="02020603050405020304" pitchFamily="18" charset="0"/>
+                        <a:cs typeface="Times New Roman" panose="02020603050405020304" pitchFamily="18" charset="0"/>
+                      </a:endParaRPr>
+                    </a:p>
+                  </a:txBody>
+                  <a:tcPr marL="0" marR="0" marT="0" marB="0" anchor="ctr" anchorCtr="0"/>
+                </a:tc>
+              </a:tr>
+              <a:tr h="565785">
+                <a:tc>
+                  <a:txBody>
+                    <a:bodyPr/>
+                    <a:p>
+                      <a:r>
+                        <a:rPr lang="en-US" altLang="zh-CN" sz="1600" b="1">
+                          <a:latin typeface="Times New Roman" panose="02020603050405020304" pitchFamily="18" charset="0"/>
+                          <a:cs typeface="Times New Roman" panose="02020603050405020304" pitchFamily="18" charset="0"/>
+                        </a:rPr>
+                        <a:t>Hướng phát triển</a:t>
+                      </a:r>
+                      <a:endParaRPr lang="en-US" altLang="zh-CN" sz="1600" b="1">
+                        <a:latin typeface="Times New Roman" panose="02020603050405020304" pitchFamily="18" charset="0"/>
+                        <a:cs typeface="Times New Roman" panose="02020603050405020304" pitchFamily="18" charset="0"/>
+                      </a:endParaRPr>
+                    </a:p>
+                  </a:txBody>
+                  <a:tcPr marL="45720" marR="45720" anchor="ctr" anchorCtr="0"/>
+                </a:tc>
+                <a:tc>
+                  <a:txBody>
+                    <a:bodyPr/>
+                    <a:p>
+                      <a:pPr algn="l">
+                        <a:buNone/>
+                      </a:pPr>
+                      <a:r>
+                        <a:rPr lang="en-US" altLang="en-GB" sz="1300">
+                          <a:latin typeface="Times New Roman" panose="02020603050405020304" pitchFamily="18" charset="0"/>
+                          <a:cs typeface="Times New Roman" panose="02020603050405020304" pitchFamily="18" charset="0"/>
+                        </a:rPr>
+                        <a:t>- Thu thập th</a:t>
+                      </a:r>
+                      <a:r>
+                        <a:rPr lang="en-US" altLang="en-US" sz="1300">
+                          <a:latin typeface="Times New Roman" panose="02020603050405020304" pitchFamily="18" charset="0"/>
+                          <a:cs typeface="Times New Roman" panose="02020603050405020304" pitchFamily="18" charset="0"/>
+                        </a:rPr>
+                        <a:t>ê</a:t>
+                      </a:r>
+                      <a:r>
+                        <a:rPr lang="en-US" altLang="en-GB" sz="1300">
+                          <a:latin typeface="Times New Roman" panose="02020603050405020304" pitchFamily="18" charset="0"/>
+                          <a:cs typeface="Times New Roman" panose="02020603050405020304" pitchFamily="18" charset="0"/>
+                        </a:rPr>
+                        <a:t>m dữ liệu thực tế và cập nhật th</a:t>
+                      </a:r>
+                      <a:r>
+                        <a:rPr lang="" altLang="en-US" sz="1300">
+                          <a:latin typeface="Times New Roman" panose="02020603050405020304" pitchFamily="18" charset="0"/>
+                          <a:cs typeface="Times New Roman" panose="02020603050405020304" pitchFamily="18" charset="0"/>
+                        </a:rPr>
+                        <a:t>ư</a:t>
+                      </a:r>
+                      <a:r>
+                        <a:rPr lang="en-US" altLang="en-GB" sz="1300">
+                          <a:latin typeface="Times New Roman" panose="02020603050405020304" pitchFamily="18" charset="0"/>
+                          <a:cs typeface="Times New Roman" panose="02020603050405020304" pitchFamily="18" charset="0"/>
+                        </a:rPr>
+                        <a:t>ờng xuy</a:t>
+                      </a:r>
+                      <a:r>
+                        <a:rPr lang="en-US" altLang="en-US" sz="1300">
+                          <a:latin typeface="Times New Roman" panose="02020603050405020304" pitchFamily="18" charset="0"/>
+                          <a:cs typeface="Times New Roman" panose="02020603050405020304" pitchFamily="18" charset="0"/>
+                        </a:rPr>
+                        <a:t>ê</a:t>
+                      </a:r>
+                      <a:r>
+                        <a:rPr lang="en-US" altLang="en-GB" sz="1300">
+                          <a:latin typeface="Times New Roman" panose="02020603050405020304" pitchFamily="18" charset="0"/>
+                          <a:cs typeface="Times New Roman" panose="02020603050405020304" pitchFamily="18" charset="0"/>
+                        </a:rPr>
+                        <a:t>n.</a:t>
+                      </a:r>
+                      <a:endParaRPr lang="en-US" altLang="en-GB" sz="1300">
+                        <a:latin typeface="Times New Roman" panose="02020603050405020304" pitchFamily="18" charset="0"/>
+                        <a:cs typeface="Times New Roman" panose="02020603050405020304" pitchFamily="18" charset="0"/>
+                      </a:endParaRPr>
+                    </a:p>
+                    <a:p>
+                      <a:pPr algn="l">
+                        <a:buNone/>
+                      </a:pPr>
+                      <a:endParaRPr lang="en-US" altLang="en-GB" sz="1300">
+                        <a:latin typeface="Times New Roman" panose="02020603050405020304" pitchFamily="18" charset="0"/>
+                        <a:cs typeface="Times New Roman" panose="02020603050405020304" pitchFamily="18" charset="0"/>
+                      </a:endParaRPr>
+                    </a:p>
+                  </a:txBody>
+                  <a:tcPr anchor="ctr" anchorCtr="0"/>
+                </a:tc>
+              </a:tr>
+              <a:tr h="565785">
+                <a:tc>
+                  <a:txBody>
+                    <a:bodyPr/>
+                    <a:p>
+                      <a:pPr>
+                        <a:buNone/>
+                      </a:pPr>
+                      <a:endParaRPr lang="en-GB" altLang="en-US" sz="1600" b="1">
+                        <a:latin typeface="Times New Roman" panose="02020603050405020304" pitchFamily="18" charset="0"/>
+                        <a:cs typeface="Times New Roman" panose="02020603050405020304" pitchFamily="18" charset="0"/>
+                      </a:endParaRPr>
+                    </a:p>
+                  </a:txBody>
+                  <a:tcPr marL="45720" marR="45720"/>
+                </a:tc>
+                <a:tc>
+                  <a:txBody>
+                    <a:bodyPr/>
+                    <a:p>
+                      <a:pPr algn="l">
+                        <a:buNone/>
+                      </a:pPr>
+                      <a:r>
+                        <a:rPr lang="en-US" altLang="en-GB" sz="1300">
+                          <a:latin typeface="Times New Roman" panose="02020603050405020304" pitchFamily="18" charset="0"/>
+                          <a:cs typeface="Times New Roman" panose="02020603050405020304" pitchFamily="18" charset="0"/>
+                        </a:rPr>
+                        <a:t>- Kết hợp th</a:t>
+                      </a:r>
+                      <a:r>
+                        <a:rPr lang="en-US" altLang="en-US" sz="1300">
+                          <a:latin typeface="Times New Roman" panose="02020603050405020304" pitchFamily="18" charset="0"/>
+                          <a:cs typeface="Times New Roman" panose="02020603050405020304" pitchFamily="18" charset="0"/>
+                        </a:rPr>
+                        <a:t>ê</a:t>
+                      </a:r>
+                      <a:r>
+                        <a:rPr lang="en-US" altLang="en-GB" sz="1300">
+                          <a:latin typeface="Times New Roman" panose="02020603050405020304" pitchFamily="18" charset="0"/>
+                          <a:cs typeface="Times New Roman" panose="02020603050405020304" pitchFamily="18" charset="0"/>
+                        </a:rPr>
+                        <a:t>m c</a:t>
+                      </a:r>
+                      <a:r>
+                        <a:rPr lang="en-US" altLang="en-US" sz="1300">
+                          <a:latin typeface="Times New Roman" panose="02020603050405020304" pitchFamily="18" charset="0"/>
+                          <a:cs typeface="Times New Roman" panose="02020603050405020304" pitchFamily="18" charset="0"/>
+                        </a:rPr>
+                        <a:t>á</a:t>
+                      </a:r>
+                      <a:r>
+                        <a:rPr lang="en-US" altLang="en-GB" sz="1300">
+                          <a:latin typeface="Times New Roman" panose="02020603050405020304" pitchFamily="18" charset="0"/>
+                          <a:cs typeface="Times New Roman" panose="02020603050405020304" pitchFamily="18" charset="0"/>
+                        </a:rPr>
+                        <a:t>c thuật to</a:t>
+                      </a:r>
+                      <a:r>
+                        <a:rPr lang="en-US" altLang="en-US" sz="1300">
+                          <a:latin typeface="Times New Roman" panose="02020603050405020304" pitchFamily="18" charset="0"/>
+                          <a:cs typeface="Times New Roman" panose="02020603050405020304" pitchFamily="18" charset="0"/>
+                        </a:rPr>
+                        <a:t>á</a:t>
+                      </a:r>
+                      <a:r>
+                        <a:rPr lang="en-US" altLang="en-GB" sz="1300">
+                          <a:latin typeface="Times New Roman" panose="02020603050405020304" pitchFamily="18" charset="0"/>
+                          <a:cs typeface="Times New Roman" panose="02020603050405020304" pitchFamily="18" charset="0"/>
+                        </a:rPr>
+                        <a:t>n hiện </a:t>
+                      </a:r>
+                      <a:r>
+                        <a:rPr lang="" altLang="en-US" sz="1300">
+                          <a:latin typeface="Times New Roman" panose="02020603050405020304" pitchFamily="18" charset="0"/>
+                          <a:cs typeface="Times New Roman" panose="02020603050405020304" pitchFamily="18" charset="0"/>
+                        </a:rPr>
+                        <a:t>đ</a:t>
+                      </a:r>
+                      <a:r>
+                        <a:rPr lang="en-US" altLang="en-GB" sz="1300">
+                          <a:latin typeface="Times New Roman" panose="02020603050405020304" pitchFamily="18" charset="0"/>
+                          <a:cs typeface="Times New Roman" panose="02020603050405020304" pitchFamily="18" charset="0"/>
+                        </a:rPr>
+                        <a:t>ại nh</a:t>
+                      </a:r>
+                      <a:r>
+                        <a:rPr lang="" altLang="en-US" sz="1300">
+                          <a:latin typeface="Times New Roman" panose="02020603050405020304" pitchFamily="18" charset="0"/>
+                          <a:cs typeface="Times New Roman" panose="02020603050405020304" pitchFamily="18" charset="0"/>
+                        </a:rPr>
+                        <a:t>ư</a:t>
+                      </a:r>
+                      <a:r>
+                        <a:rPr lang="en-US" altLang="en-GB" sz="1300">
+                          <a:latin typeface="Times New Roman" panose="02020603050405020304" pitchFamily="18" charset="0"/>
+                          <a:cs typeface="Times New Roman" panose="02020603050405020304" pitchFamily="18" charset="0"/>
+                        </a:rPr>
+                        <a:t> deep learning.</a:t>
+                      </a:r>
+                      <a:endParaRPr lang="en-US" altLang="en-GB" sz="1300">
+                        <a:latin typeface="Times New Roman" panose="02020603050405020304" pitchFamily="18" charset="0"/>
+                        <a:cs typeface="Times New Roman" panose="02020603050405020304" pitchFamily="18" charset="0"/>
+                      </a:endParaRPr>
+                    </a:p>
+                    <a:p>
+                      <a:pPr algn="l">
+                        <a:buNone/>
+                      </a:pPr>
+                      <a:endParaRPr lang="en-US" altLang="en-GB" sz="1300">
+                        <a:latin typeface="Times New Roman" panose="02020603050405020304" pitchFamily="18" charset="0"/>
+                        <a:cs typeface="Times New Roman" panose="02020603050405020304" pitchFamily="18" charset="0"/>
+                      </a:endParaRPr>
+                    </a:p>
+                  </a:txBody>
+                  <a:tcPr anchor="ctr" anchorCtr="0"/>
+                </a:tc>
+              </a:tr>
+            </a:tbl>
+          </a:graphicData>
+        </a:graphic>
+      </p:graphicFrame>
+    </p:spTree>
+  </p:cSld>
+  <p:clrMapOvr>
+    <a:masterClrMapping/>
+  </p:clrMapOvr>
+</p:sld>
+</file>
+
+<file path=ppt/slides/slide32.xml><?xml version="1.0" encoding="utf-8"?>
 <p:sld xmlns:a="http://schemas.openxmlformats.org/drawingml/2006/main" xmlns:r="http://schemas.openxmlformats.org/officeDocument/2006/relationships" xmlns:p="http://schemas.openxmlformats.org/presentationml/2006/main" showMasterSp="0">
   <p:cSld>
     <p:spTree>
@@ -20024,6 +21099,13 @@
   <p:tag name="TABLE_ENDDRAG_ORIGIN_RECT" val="604*418"/>
   <p:tag name="TABLE_ENDDRAG_RECT" val="6*90*604*418"/>
   <p:tag name="TABLE_AUTOADJUST_FLAG" val="1"/>
+</p:tagLst>
+</file>
+
+<file path=ppt/tags/tag2.xml><?xml version="1.0" encoding="utf-8"?>
+<p:tagLst xmlns:p="http://schemas.openxmlformats.org/presentationml/2006/main">
+  <p:tag name="TABLE_ENDDRAG_ORIGIN_RECT" val="704*445"/>
+  <p:tag name="TABLE_ENDDRAG_RECT" val="6*66*704*445"/>
 </p:tagLst>
 </file>
 
